--- a/java-xml-tutorial/doc/20190608-JAXP-v2.pptx
+++ b/java-xml-tutorial/doc/20190608-JAXP-v2.pptx
@@ -6,15 +6,24 @@
   </p:sldMasterIdLst>
   <p:sldIdLst>
     <p:sldId id="256" r:id="rId2"/>
-    <p:sldId id="258" r:id="rId3"/>
-    <p:sldId id="260" r:id="rId4"/>
-    <p:sldId id="261" r:id="rId5"/>
-    <p:sldId id="259" r:id="rId6"/>
-    <p:sldId id="262" r:id="rId7"/>
-    <p:sldId id="264" r:id="rId8"/>
-    <p:sldId id="265" r:id="rId9"/>
-    <p:sldId id="263" r:id="rId10"/>
-    <p:sldId id="257" r:id="rId11"/>
+    <p:sldId id="266" r:id="rId3"/>
+    <p:sldId id="267" r:id="rId4"/>
+    <p:sldId id="268" r:id="rId5"/>
+    <p:sldId id="270" r:id="rId6"/>
+    <p:sldId id="271" r:id="rId7"/>
+    <p:sldId id="272" r:id="rId8"/>
+    <p:sldId id="273" r:id="rId9"/>
+    <p:sldId id="274" r:id="rId10"/>
+    <p:sldId id="269" r:id="rId11"/>
+    <p:sldId id="258" r:id="rId12"/>
+    <p:sldId id="260" r:id="rId13"/>
+    <p:sldId id="261" r:id="rId14"/>
+    <p:sldId id="259" r:id="rId15"/>
+    <p:sldId id="262" r:id="rId16"/>
+    <p:sldId id="264" r:id="rId17"/>
+    <p:sldId id="265" r:id="rId18"/>
+    <p:sldId id="263" r:id="rId19"/>
+    <p:sldId id="257" r:id="rId20"/>
   </p:sldIdLst>
   <p:sldSz cx="12192000" cy="6858000"/>
   <p:notesSz cx="6858000" cy="9144000"/>
@@ -268,7 +277,7 @@
           <a:p>
             <a:fld id="{0CF5F17D-BAD2-4D50-B155-F437EA47C9B0}" type="datetimeFigureOut">
               <a:rPr lang="zh-TW" altLang="en-US" smtClean="0"/>
-              <a:t>2019/6/10</a:t>
+              <a:t>2019/6/29</a:t>
             </a:fld>
             <a:endParaRPr lang="zh-TW" altLang="en-US"/>
           </a:p>
@@ -466,7 +475,7 @@
           <a:p>
             <a:fld id="{0CF5F17D-BAD2-4D50-B155-F437EA47C9B0}" type="datetimeFigureOut">
               <a:rPr lang="zh-TW" altLang="en-US" smtClean="0"/>
-              <a:t>2019/6/10</a:t>
+              <a:t>2019/6/29</a:t>
             </a:fld>
             <a:endParaRPr lang="zh-TW" altLang="en-US"/>
           </a:p>
@@ -674,7 +683,7 @@
           <a:p>
             <a:fld id="{0CF5F17D-BAD2-4D50-B155-F437EA47C9B0}" type="datetimeFigureOut">
               <a:rPr lang="zh-TW" altLang="en-US" smtClean="0"/>
-              <a:t>2019/6/10</a:t>
+              <a:t>2019/6/29</a:t>
             </a:fld>
             <a:endParaRPr lang="zh-TW" altLang="en-US"/>
           </a:p>
@@ -872,7 +881,7 @@
           <a:p>
             <a:fld id="{0CF5F17D-BAD2-4D50-B155-F437EA47C9B0}" type="datetimeFigureOut">
               <a:rPr lang="zh-TW" altLang="en-US" smtClean="0"/>
-              <a:t>2019/6/10</a:t>
+              <a:t>2019/6/29</a:t>
             </a:fld>
             <a:endParaRPr lang="zh-TW" altLang="en-US"/>
           </a:p>
@@ -1147,7 +1156,7 @@
           <a:p>
             <a:fld id="{0CF5F17D-BAD2-4D50-B155-F437EA47C9B0}" type="datetimeFigureOut">
               <a:rPr lang="zh-TW" altLang="en-US" smtClean="0"/>
-              <a:t>2019/6/10</a:t>
+              <a:t>2019/6/29</a:t>
             </a:fld>
             <a:endParaRPr lang="zh-TW" altLang="en-US"/>
           </a:p>
@@ -1412,7 +1421,7 @@
           <a:p>
             <a:fld id="{0CF5F17D-BAD2-4D50-B155-F437EA47C9B0}" type="datetimeFigureOut">
               <a:rPr lang="zh-TW" altLang="en-US" smtClean="0"/>
-              <a:t>2019/6/10</a:t>
+              <a:t>2019/6/29</a:t>
             </a:fld>
             <a:endParaRPr lang="zh-TW" altLang="en-US"/>
           </a:p>
@@ -1824,7 +1833,7 @@
           <a:p>
             <a:fld id="{0CF5F17D-BAD2-4D50-B155-F437EA47C9B0}" type="datetimeFigureOut">
               <a:rPr lang="zh-TW" altLang="en-US" smtClean="0"/>
-              <a:t>2019/6/10</a:t>
+              <a:t>2019/6/29</a:t>
             </a:fld>
             <a:endParaRPr lang="zh-TW" altLang="en-US"/>
           </a:p>
@@ -1965,7 +1974,7 @@
           <a:p>
             <a:fld id="{0CF5F17D-BAD2-4D50-B155-F437EA47C9B0}" type="datetimeFigureOut">
               <a:rPr lang="zh-TW" altLang="en-US" smtClean="0"/>
-              <a:t>2019/6/10</a:t>
+              <a:t>2019/6/29</a:t>
             </a:fld>
             <a:endParaRPr lang="zh-TW" altLang="en-US"/>
           </a:p>
@@ -2078,7 +2087,7 @@
           <a:p>
             <a:fld id="{0CF5F17D-BAD2-4D50-B155-F437EA47C9B0}" type="datetimeFigureOut">
               <a:rPr lang="zh-TW" altLang="en-US" smtClean="0"/>
-              <a:t>2019/6/10</a:t>
+              <a:t>2019/6/29</a:t>
             </a:fld>
             <a:endParaRPr lang="zh-TW" altLang="en-US"/>
           </a:p>
@@ -2389,7 +2398,7 @@
           <a:p>
             <a:fld id="{0CF5F17D-BAD2-4D50-B155-F437EA47C9B0}" type="datetimeFigureOut">
               <a:rPr lang="zh-TW" altLang="en-US" smtClean="0"/>
-              <a:t>2019/6/10</a:t>
+              <a:t>2019/6/29</a:t>
             </a:fld>
             <a:endParaRPr lang="zh-TW" altLang="en-US"/>
           </a:p>
@@ -2677,7 +2686,7 @@
           <a:p>
             <a:fld id="{0CF5F17D-BAD2-4D50-B155-F437EA47C9B0}" type="datetimeFigureOut">
               <a:rPr lang="zh-TW" altLang="en-US" smtClean="0"/>
-              <a:t>2019/6/10</a:t>
+              <a:t>2019/6/29</a:t>
             </a:fld>
             <a:endParaRPr lang="zh-TW" altLang="en-US"/>
           </a:p>
@@ -2918,7 +2927,7 @@
           <a:p>
             <a:fld id="{0CF5F17D-BAD2-4D50-B155-F437EA47C9B0}" type="datetimeFigureOut">
               <a:rPr lang="zh-TW" altLang="en-US" smtClean="0"/>
-              <a:t>2019/6/10</a:t>
+              <a:t>2019/6/29</a:t>
             </a:fld>
             <a:endParaRPr lang="zh-TW" altLang="en-US"/>
           </a:p>
@@ -3431,7 +3440,7 @@
           <p:cNvPr id="2" name="標題 1">
             <a:extLst>
               <a:ext uri="{FF2B5EF4-FFF2-40B4-BE49-F238E27FC236}">
-                <a16:creationId xmlns:a16="http://schemas.microsoft.com/office/drawing/2014/main" id="{9ED7DE2C-3037-4AEF-AAAA-94ED8A1677CB}"/>
+                <a16:creationId xmlns:a16="http://schemas.microsoft.com/office/drawing/2014/main" id="{205F1DF8-718B-497B-A44F-04B21FAF356E}"/>
               </a:ext>
             </a:extLst>
           </p:cNvPr>
@@ -3456,7 +3465,7 @@
           <p:cNvPr id="3" name="內容版面配置區 2">
             <a:extLst>
               <a:ext uri="{FF2B5EF4-FFF2-40B4-BE49-F238E27FC236}">
-                <a16:creationId xmlns:a16="http://schemas.microsoft.com/office/drawing/2014/main" id="{88225859-8BEA-4D1C-B409-D4E0F327DEE3}"/>
+                <a16:creationId xmlns:a16="http://schemas.microsoft.com/office/drawing/2014/main" id="{46CE3E9C-720C-4568-AA97-7D71215BD198}"/>
               </a:ext>
             </a:extLst>
           </p:cNvPr>
@@ -3472,27 +3481,14 @@
           <a:bodyPr/>
           <a:lstStyle/>
           <a:p>
-            <a:r>
-              <a:rPr lang="en-US" altLang="zh-TW" b="1" dirty="0"/>
-              <a:t>Trail: Java API for XML Processing (JAXP)</a:t>
-            </a:r>
-          </a:p>
-          <a:p>
-            <a:pPr lvl="1"/>
-            <a:r>
-              <a:rPr lang="en-US" altLang="zh-TW" dirty="0">
-                <a:hlinkClick r:id="rId2"/>
-              </a:rPr>
-              <a:t>https://docs.oracle.com/javase/tutorial/jaxp/index.html</a:t>
-            </a:r>
-            <a:endParaRPr lang="zh-TW" altLang="en-US" dirty="0"/>
+            <a:endParaRPr lang="zh-TW" altLang="en-US"/>
           </a:p>
         </p:txBody>
       </p:sp>
     </p:spTree>
     <p:extLst>
       <p:ext uri="{BB962C8B-B14F-4D97-AF65-F5344CB8AC3E}">
-        <p14:creationId xmlns:p14="http://schemas.microsoft.com/office/powerpoint/2010/main" val="2672960816"/>
+        <p14:creationId xmlns:p14="http://schemas.microsoft.com/office/powerpoint/2010/main" val="1645030611"/>
       </p:ext>
     </p:extLst>
   </p:cSld>
@@ -3502,7 +3498,7 @@
 </p:sld>
 </file>
 
-<file path=ppt/slides/slide2.xml><?xml version="1.0" encoding="utf-8"?>
+<file path=ppt/slides/slide11.xml><?xml version="1.0" encoding="utf-8"?>
 <p:sld xmlns:a="http://schemas.openxmlformats.org/drawingml/2006/main" xmlns:r="http://schemas.openxmlformats.org/officeDocument/2006/relationships" xmlns:p="http://schemas.openxmlformats.org/presentationml/2006/main">
   <p:cSld>
     <p:spTree>
@@ -3666,7 +3662,7 @@
 </p:sld>
 </file>
 
-<file path=ppt/slides/slide3.xml><?xml version="1.0" encoding="utf-8"?>
+<file path=ppt/slides/slide12.xml><?xml version="1.0" encoding="utf-8"?>
 <p:sld xmlns:a="http://schemas.openxmlformats.org/drawingml/2006/main" xmlns:r="http://schemas.openxmlformats.org/officeDocument/2006/relationships" xmlns:p="http://schemas.openxmlformats.org/presentationml/2006/main">
   <p:cSld>
     <p:spTree>
@@ -3804,7 +3800,7 @@
 </p:sld>
 </file>
 
-<file path=ppt/slides/slide4.xml><?xml version="1.0" encoding="utf-8"?>
+<file path=ppt/slides/slide13.xml><?xml version="1.0" encoding="utf-8"?>
 <p:sld xmlns:a="http://schemas.openxmlformats.org/drawingml/2006/main" xmlns:r="http://schemas.openxmlformats.org/officeDocument/2006/relationships" xmlns:p="http://schemas.openxmlformats.org/presentationml/2006/main">
   <p:cSld>
     <p:spTree>
@@ -3923,7 +3919,7 @@
 </p:sld>
 </file>
 
-<file path=ppt/slides/slide5.xml><?xml version="1.0" encoding="utf-8"?>
+<file path=ppt/slides/slide14.xml><?xml version="1.0" encoding="utf-8"?>
 <p:sld xmlns:a="http://schemas.openxmlformats.org/drawingml/2006/main" xmlns:r="http://schemas.openxmlformats.org/officeDocument/2006/relationships" xmlns:p="http://schemas.openxmlformats.org/presentationml/2006/main">
   <p:cSld>
     <p:spTree>
@@ -4051,7 +4047,7 @@
 </p:sld>
 </file>
 
-<file path=ppt/slides/slide6.xml><?xml version="1.0" encoding="utf-8"?>
+<file path=ppt/slides/slide15.xml><?xml version="1.0" encoding="utf-8"?>
 <p:sld xmlns:a="http://schemas.openxmlformats.org/drawingml/2006/main" xmlns:r="http://schemas.openxmlformats.org/officeDocument/2006/relationships" xmlns:p="http://schemas.openxmlformats.org/presentationml/2006/main">
   <p:cSld>
     <p:spTree>
@@ -4261,6 +4257,1351 @@
 </p:sld>
 </file>
 
+<file path=ppt/slides/slide16.xml><?xml version="1.0" encoding="utf-8"?>
+<p:sld xmlns:a="http://schemas.openxmlformats.org/drawingml/2006/main" xmlns:r="http://schemas.openxmlformats.org/officeDocument/2006/relationships" xmlns:p="http://schemas.openxmlformats.org/presentationml/2006/main">
+  <p:cSld>
+    <p:spTree>
+      <p:nvGrpSpPr>
+        <p:cNvPr id="1" name=""/>
+        <p:cNvGrpSpPr/>
+        <p:nvPr/>
+      </p:nvGrpSpPr>
+      <p:grpSpPr>
+        <a:xfrm>
+          <a:off x="0" y="0"/>
+          <a:ext cx="0" cy="0"/>
+          <a:chOff x="0" y="0"/>
+          <a:chExt cx="0" cy="0"/>
+        </a:xfrm>
+      </p:grpSpPr>
+      <p:sp>
+        <p:nvSpPr>
+          <p:cNvPr id="2" name="標題 1">
+            <a:extLst>
+              <a:ext uri="{FF2B5EF4-FFF2-40B4-BE49-F238E27FC236}">
+                <a16:creationId xmlns:a16="http://schemas.microsoft.com/office/drawing/2014/main" id="{05839CCA-7242-4873-BDA4-26A3D63B01D1}"/>
+              </a:ext>
+            </a:extLst>
+          </p:cNvPr>
+          <p:cNvSpPr>
+            <a:spLocks noGrp="1"/>
+          </p:cNvSpPr>
+          <p:nvPr>
+            <p:ph type="title"/>
+          </p:nvPr>
+        </p:nvSpPr>
+        <p:spPr/>
+        <p:txBody>
+          <a:bodyPr/>
+          <a:lstStyle/>
+          <a:p>
+            <a:endParaRPr lang="zh-TW" altLang="en-US"/>
+          </a:p>
+        </p:txBody>
+      </p:sp>
+      <p:sp>
+        <p:nvSpPr>
+          <p:cNvPr id="3" name="內容版面配置區 2">
+            <a:extLst>
+              <a:ext uri="{FF2B5EF4-FFF2-40B4-BE49-F238E27FC236}">
+                <a16:creationId xmlns:a16="http://schemas.microsoft.com/office/drawing/2014/main" id="{819008C3-4BDF-468C-B317-4F9BB8C04A40}"/>
+              </a:ext>
+            </a:extLst>
+          </p:cNvPr>
+          <p:cNvSpPr>
+            <a:spLocks noGrp="1"/>
+          </p:cNvSpPr>
+          <p:nvPr>
+            <p:ph idx="1"/>
+          </p:nvPr>
+        </p:nvSpPr>
+        <p:spPr/>
+        <p:txBody>
+          <a:bodyPr>
+            <a:normAutofit fontScale="77500" lnSpcReduction="20000"/>
+          </a:bodyPr>
+          <a:lstStyle/>
+          <a:p>
+            <a:r>
+              <a:rPr lang="en-US" altLang="zh-TW" dirty="0" err="1"/>
+              <a:t>SAXParserFactory</a:t>
+            </a:r>
+            <a:endParaRPr lang="en-US" altLang="zh-TW" dirty="0"/>
+          </a:p>
+          <a:p>
+            <a:pPr lvl="1"/>
+            <a:r>
+              <a:rPr lang="en-US" altLang="zh-TW" dirty="0"/>
+              <a:t>A </a:t>
+            </a:r>
+            <a:r>
+              <a:rPr lang="en-US" altLang="zh-TW" dirty="0" err="1"/>
+              <a:t>SAXParserFactory</a:t>
+            </a:r>
+            <a:r>
+              <a:rPr lang="en-US" altLang="zh-TW" dirty="0"/>
+              <a:t> object creates an instance of the parser determined by the system property, </a:t>
+            </a:r>
+            <a:r>
+              <a:rPr lang="en-US" altLang="zh-TW" dirty="0" err="1"/>
+              <a:t>javax.xml.parsers.SAXParserFactory</a:t>
+            </a:r>
+            <a:r>
+              <a:rPr lang="en-US" altLang="zh-TW" dirty="0"/>
+              <a:t>.</a:t>
+            </a:r>
+          </a:p>
+          <a:p>
+            <a:r>
+              <a:rPr lang="en-US" altLang="zh-TW" dirty="0" err="1"/>
+              <a:t>SAXParser</a:t>
+            </a:r>
+            <a:endParaRPr lang="en-US" altLang="zh-TW" dirty="0"/>
+          </a:p>
+          <a:p>
+            <a:pPr lvl="1"/>
+            <a:r>
+              <a:rPr lang="en-US" altLang="zh-TW" dirty="0"/>
+              <a:t>The </a:t>
+            </a:r>
+            <a:r>
+              <a:rPr lang="en-US" altLang="zh-TW" dirty="0" err="1"/>
+              <a:t>SAXParser</a:t>
+            </a:r>
+            <a:r>
+              <a:rPr lang="en-US" altLang="zh-TW" dirty="0"/>
+              <a:t> interface defines several kinds of parse() methods. </a:t>
+            </a:r>
+          </a:p>
+          <a:p>
+            <a:pPr lvl="1"/>
+            <a:r>
+              <a:rPr lang="en-US" altLang="zh-TW" dirty="0"/>
+              <a:t>In general, you pass an XML data source and a </a:t>
+            </a:r>
+            <a:r>
+              <a:rPr lang="en-US" altLang="zh-TW" dirty="0" err="1"/>
+              <a:t>DefaultHandler</a:t>
+            </a:r>
+            <a:r>
+              <a:rPr lang="en-US" altLang="zh-TW" dirty="0"/>
+              <a:t> object to the parser, which processes the XML and invokes the appropriate methods in the handler object.</a:t>
+            </a:r>
+          </a:p>
+          <a:p>
+            <a:r>
+              <a:rPr lang="en-US" altLang="zh-TW" dirty="0" err="1"/>
+              <a:t>SAXReader</a:t>
+            </a:r>
+            <a:endParaRPr lang="en-US" altLang="zh-TW" dirty="0"/>
+          </a:p>
+          <a:p>
+            <a:pPr lvl="1"/>
+            <a:r>
+              <a:rPr lang="en-US" altLang="zh-TW" dirty="0"/>
+              <a:t>The </a:t>
+            </a:r>
+            <a:r>
+              <a:rPr lang="en-US" altLang="zh-TW" dirty="0" err="1"/>
+              <a:t>SAXParser</a:t>
+            </a:r>
+            <a:r>
+              <a:rPr lang="en-US" altLang="zh-TW" dirty="0"/>
+              <a:t> wraps a </a:t>
+            </a:r>
+            <a:r>
+              <a:rPr lang="en-US" altLang="zh-TW" dirty="0" err="1"/>
+              <a:t>SAXReader</a:t>
+            </a:r>
+            <a:r>
+              <a:rPr lang="en-US" altLang="zh-TW" dirty="0"/>
+              <a:t>. </a:t>
+            </a:r>
+          </a:p>
+          <a:p>
+            <a:pPr lvl="1"/>
+            <a:r>
+              <a:rPr lang="en-US" altLang="zh-TW" dirty="0"/>
+              <a:t>Typically, you do not care about that, but every once in a while you need to get hold of it using </a:t>
+            </a:r>
+            <a:r>
+              <a:rPr lang="en-US" altLang="zh-TW" dirty="0" err="1"/>
+              <a:t>SAXParser's</a:t>
+            </a:r>
+            <a:r>
+              <a:rPr lang="en-US" altLang="zh-TW" dirty="0"/>
+              <a:t> </a:t>
+            </a:r>
+            <a:r>
+              <a:rPr lang="en-US" altLang="zh-TW" dirty="0" err="1"/>
+              <a:t>getXMLReader</a:t>
+            </a:r>
+            <a:r>
+              <a:rPr lang="en-US" altLang="zh-TW" dirty="0"/>
+              <a:t>() so that you can configure it. </a:t>
+            </a:r>
+          </a:p>
+          <a:p>
+            <a:pPr lvl="1"/>
+            <a:r>
+              <a:rPr lang="en-US" altLang="zh-TW" dirty="0"/>
+              <a:t>It is the </a:t>
+            </a:r>
+            <a:r>
+              <a:rPr lang="en-US" altLang="zh-TW" dirty="0" err="1"/>
+              <a:t>SAXReader</a:t>
+            </a:r>
+            <a:r>
+              <a:rPr lang="en-US" altLang="zh-TW" dirty="0"/>
+              <a:t> that carries on the conversation with the SAX event handlers you define.</a:t>
+            </a:r>
+          </a:p>
+          <a:p>
+            <a:r>
+              <a:rPr lang="en-US" altLang="zh-TW" dirty="0" err="1"/>
+              <a:t>DefaultHandler</a:t>
+            </a:r>
+            <a:endParaRPr lang="en-US" altLang="zh-TW" dirty="0"/>
+          </a:p>
+          <a:p>
+            <a:pPr lvl="1"/>
+            <a:r>
+              <a:rPr lang="en-US" altLang="zh-TW" dirty="0"/>
+              <a:t>a </a:t>
+            </a:r>
+            <a:r>
+              <a:rPr lang="en-US" altLang="zh-TW" dirty="0" err="1"/>
+              <a:t>DefaultHandler</a:t>
+            </a:r>
+            <a:r>
+              <a:rPr lang="en-US" altLang="zh-TW" dirty="0"/>
+              <a:t> implements the </a:t>
+            </a:r>
+            <a:r>
+              <a:rPr lang="en-US" altLang="zh-TW" dirty="0" err="1"/>
+              <a:t>ContentHandler</a:t>
+            </a:r>
+            <a:r>
+              <a:rPr lang="en-US" altLang="zh-TW" dirty="0"/>
+              <a:t>, </a:t>
+            </a:r>
+            <a:r>
+              <a:rPr lang="en-US" altLang="zh-TW" dirty="0" err="1"/>
+              <a:t>ErrorHandler</a:t>
+            </a:r>
+            <a:r>
+              <a:rPr lang="en-US" altLang="zh-TW" dirty="0"/>
+              <a:t>, </a:t>
+            </a:r>
+            <a:r>
+              <a:rPr lang="en-US" altLang="zh-TW" dirty="0" err="1"/>
+              <a:t>DTDHandler</a:t>
+            </a:r>
+            <a:r>
+              <a:rPr lang="en-US" altLang="zh-TW" dirty="0"/>
+              <a:t>, and </a:t>
+            </a:r>
+            <a:r>
+              <a:rPr lang="en-US" altLang="zh-TW" dirty="0" err="1"/>
+              <a:t>EntityResolver</a:t>
+            </a:r>
+            <a:r>
+              <a:rPr lang="en-US" altLang="zh-TW" dirty="0"/>
+              <a:t> interfaces (with null methods), so you can override only the ones you are interested in.</a:t>
+            </a:r>
+            <a:endParaRPr lang="zh-TW" altLang="en-US" dirty="0"/>
+          </a:p>
+        </p:txBody>
+      </p:sp>
+    </p:spTree>
+    <p:extLst>
+      <p:ext uri="{BB962C8B-B14F-4D97-AF65-F5344CB8AC3E}">
+        <p14:creationId xmlns:p14="http://schemas.microsoft.com/office/powerpoint/2010/main" val="718811173"/>
+      </p:ext>
+    </p:extLst>
+  </p:cSld>
+  <p:clrMapOvr>
+    <a:masterClrMapping/>
+  </p:clrMapOvr>
+</p:sld>
+</file>
+
+<file path=ppt/slides/slide17.xml><?xml version="1.0" encoding="utf-8"?>
+<p:sld xmlns:a="http://schemas.openxmlformats.org/drawingml/2006/main" xmlns:r="http://schemas.openxmlformats.org/officeDocument/2006/relationships" xmlns:p="http://schemas.openxmlformats.org/presentationml/2006/main">
+  <p:cSld>
+    <p:spTree>
+      <p:nvGrpSpPr>
+        <p:cNvPr id="1" name=""/>
+        <p:cNvGrpSpPr/>
+        <p:nvPr/>
+      </p:nvGrpSpPr>
+      <p:grpSpPr>
+        <a:xfrm>
+          <a:off x="0" y="0"/>
+          <a:ext cx="0" cy="0"/>
+          <a:chOff x="0" y="0"/>
+          <a:chExt cx="0" cy="0"/>
+        </a:xfrm>
+      </p:grpSpPr>
+      <p:sp>
+        <p:nvSpPr>
+          <p:cNvPr id="2" name="標題 1">
+            <a:extLst>
+              <a:ext uri="{FF2B5EF4-FFF2-40B4-BE49-F238E27FC236}">
+                <a16:creationId xmlns:a16="http://schemas.microsoft.com/office/drawing/2014/main" id="{49D8871F-ECA8-4494-8999-6691163AC21F}"/>
+              </a:ext>
+            </a:extLst>
+          </p:cNvPr>
+          <p:cNvSpPr>
+            <a:spLocks noGrp="1"/>
+          </p:cNvSpPr>
+          <p:nvPr>
+            <p:ph type="title"/>
+          </p:nvPr>
+        </p:nvSpPr>
+        <p:spPr/>
+        <p:txBody>
+          <a:bodyPr/>
+          <a:lstStyle/>
+          <a:p>
+            <a:endParaRPr lang="zh-TW" altLang="en-US"/>
+          </a:p>
+        </p:txBody>
+      </p:sp>
+      <p:sp>
+        <p:nvSpPr>
+          <p:cNvPr id="3" name="內容版面配置區 2">
+            <a:extLst>
+              <a:ext uri="{FF2B5EF4-FFF2-40B4-BE49-F238E27FC236}">
+                <a16:creationId xmlns:a16="http://schemas.microsoft.com/office/drawing/2014/main" id="{076BD7F4-6CE4-4EDB-86D1-025A63A84220}"/>
+              </a:ext>
+            </a:extLst>
+          </p:cNvPr>
+          <p:cNvSpPr>
+            <a:spLocks noGrp="1"/>
+          </p:cNvSpPr>
+          <p:nvPr>
+            <p:ph idx="1"/>
+          </p:nvPr>
+        </p:nvSpPr>
+        <p:spPr/>
+        <p:txBody>
+          <a:bodyPr>
+            <a:normAutofit fontScale="62500" lnSpcReduction="20000"/>
+          </a:bodyPr>
+          <a:lstStyle/>
+          <a:p>
+            <a:r>
+              <a:rPr lang="en-US" altLang="zh-TW" dirty="0" err="1"/>
+              <a:t>ContentHandler</a:t>
+            </a:r>
+            <a:endParaRPr lang="en-US" altLang="zh-TW" dirty="0"/>
+          </a:p>
+          <a:p>
+            <a:pPr lvl="1"/>
+            <a:r>
+              <a:rPr lang="en-US" altLang="zh-TW" dirty="0"/>
+              <a:t>Methods such as </a:t>
+            </a:r>
+            <a:r>
+              <a:rPr lang="en-US" altLang="zh-TW" dirty="0" err="1"/>
+              <a:t>startDocument</a:t>
+            </a:r>
+            <a:r>
+              <a:rPr lang="en-US" altLang="zh-TW" dirty="0"/>
+              <a:t>, </a:t>
+            </a:r>
+            <a:r>
+              <a:rPr lang="en-US" altLang="zh-TW" dirty="0" err="1"/>
+              <a:t>endDocument</a:t>
+            </a:r>
+            <a:r>
+              <a:rPr lang="en-US" altLang="zh-TW" dirty="0"/>
+              <a:t>, </a:t>
+            </a:r>
+            <a:r>
+              <a:rPr lang="en-US" altLang="zh-TW" dirty="0" err="1"/>
+              <a:t>startElement</a:t>
+            </a:r>
+            <a:r>
+              <a:rPr lang="en-US" altLang="zh-TW" dirty="0"/>
+              <a:t>, and </a:t>
+            </a:r>
+            <a:r>
+              <a:rPr lang="en-US" altLang="zh-TW" dirty="0" err="1"/>
+              <a:t>endElement</a:t>
+            </a:r>
+            <a:r>
+              <a:rPr lang="en-US" altLang="zh-TW" dirty="0"/>
+              <a:t> are invoked when an XML tag is recognized. </a:t>
+            </a:r>
+          </a:p>
+          <a:p>
+            <a:pPr lvl="1"/>
+            <a:r>
+              <a:rPr lang="en-US" altLang="zh-TW" dirty="0"/>
+              <a:t>This interface also defines the methods characters() and </a:t>
+            </a:r>
+            <a:r>
+              <a:rPr lang="en-US" altLang="zh-TW" dirty="0" err="1"/>
+              <a:t>processingInstruction</a:t>
+            </a:r>
+            <a:r>
+              <a:rPr lang="en-US" altLang="zh-TW" dirty="0"/>
+              <a:t>(), which are invoked when the parser encounters the text in an XML element or an inline processing instruction, respectively.</a:t>
+            </a:r>
+          </a:p>
+          <a:p>
+            <a:r>
+              <a:rPr lang="en-US" altLang="zh-TW" dirty="0" err="1"/>
+              <a:t>ErrorHandler</a:t>
+            </a:r>
+            <a:endParaRPr lang="en-US" altLang="zh-TW" dirty="0"/>
+          </a:p>
+          <a:p>
+            <a:pPr lvl="1"/>
+            <a:r>
+              <a:rPr lang="en-US" altLang="zh-TW" dirty="0"/>
+              <a:t>Methods error(), </a:t>
+            </a:r>
+            <a:r>
+              <a:rPr lang="en-US" altLang="zh-TW" dirty="0" err="1"/>
+              <a:t>fatalError</a:t>
+            </a:r>
+            <a:r>
+              <a:rPr lang="en-US" altLang="zh-TW" dirty="0"/>
+              <a:t>(), and warning() are invoked in response to various parsing errors. </a:t>
+            </a:r>
+          </a:p>
+          <a:p>
+            <a:pPr lvl="1"/>
+            <a:r>
+              <a:rPr lang="en-US" altLang="zh-TW" dirty="0"/>
+              <a:t>The default error handler throws an exception for fatal errors and ignores other errors (including validation errors). </a:t>
+            </a:r>
+          </a:p>
+          <a:p>
+            <a:pPr lvl="1"/>
+            <a:r>
+              <a:rPr lang="en-US" altLang="zh-TW" dirty="0"/>
+              <a:t>Sometimes, the application may be able to recover from a validation error. Other times, it may need to generate an exception. To ensure the correct handling, you will need to supply your own error handler to the parser.</a:t>
+            </a:r>
+          </a:p>
+          <a:p>
+            <a:r>
+              <a:rPr lang="en-US" altLang="zh-TW" dirty="0" err="1"/>
+              <a:t>DTDHandler</a:t>
+            </a:r>
+            <a:endParaRPr lang="en-US" altLang="zh-TW" dirty="0"/>
+          </a:p>
+          <a:p>
+            <a:pPr lvl="1"/>
+            <a:r>
+              <a:rPr lang="en-US" altLang="zh-TW" dirty="0"/>
+              <a:t>Defines methods you will generally never be called upon to use. </a:t>
+            </a:r>
+          </a:p>
+          <a:p>
+            <a:pPr lvl="1"/>
+            <a:r>
+              <a:rPr lang="en-US" altLang="zh-TW" dirty="0"/>
+              <a:t>Used when processing a DTD to recognize and act on declarations for an unparsed entity.</a:t>
+            </a:r>
+          </a:p>
+          <a:p>
+            <a:r>
+              <a:rPr lang="en-US" altLang="zh-TW" dirty="0" err="1"/>
+              <a:t>EntityResolver</a:t>
+            </a:r>
+            <a:endParaRPr lang="en-US" altLang="zh-TW" dirty="0"/>
+          </a:p>
+          <a:p>
+            <a:pPr lvl="1"/>
+            <a:r>
+              <a:rPr lang="en-US" altLang="zh-TW" dirty="0"/>
+              <a:t>The </a:t>
+            </a:r>
+            <a:r>
+              <a:rPr lang="en-US" altLang="zh-TW" dirty="0" err="1"/>
+              <a:t>resolveEntity</a:t>
+            </a:r>
+            <a:r>
+              <a:rPr lang="en-US" altLang="zh-TW" dirty="0"/>
+              <a:t> method is invoked when the parser must identify data identified by a URI. </a:t>
+            </a:r>
+          </a:p>
+          <a:p>
+            <a:pPr lvl="1"/>
+            <a:r>
+              <a:rPr lang="en-US" altLang="zh-TW" dirty="0"/>
+              <a:t>In most cases, a URI is simply a URL, which specifies the location of a document, but in some cases the document may be identified by a URN - a public identifier, or name, that is unique in the web space. The public identifier may be specified in addition to the URL. The </a:t>
+            </a:r>
+            <a:r>
+              <a:rPr lang="en-US" altLang="zh-TW" dirty="0" err="1"/>
+              <a:t>EntityResolver</a:t>
+            </a:r>
+            <a:r>
+              <a:rPr lang="en-US" altLang="zh-TW" dirty="0"/>
+              <a:t> can then use the public identifier instead of the URL to find the document-for example, to access a local copy of the document if one exists.</a:t>
+            </a:r>
+            <a:endParaRPr lang="zh-TW" altLang="en-US" dirty="0"/>
+          </a:p>
+        </p:txBody>
+      </p:sp>
+    </p:spTree>
+    <p:extLst>
+      <p:ext uri="{BB962C8B-B14F-4D97-AF65-F5344CB8AC3E}">
+        <p14:creationId xmlns:p14="http://schemas.microsoft.com/office/powerpoint/2010/main" val="499335111"/>
+      </p:ext>
+    </p:extLst>
+  </p:cSld>
+  <p:clrMapOvr>
+    <a:masterClrMapping/>
+  </p:clrMapOvr>
+</p:sld>
+</file>
+
+<file path=ppt/slides/slide18.xml><?xml version="1.0" encoding="utf-8"?>
+<p:sld xmlns:a="http://schemas.openxmlformats.org/drawingml/2006/main" xmlns:r="http://schemas.openxmlformats.org/officeDocument/2006/relationships" xmlns:p="http://schemas.openxmlformats.org/presentationml/2006/main">
+  <p:cSld>
+    <p:spTree>
+      <p:nvGrpSpPr>
+        <p:cNvPr id="1" name=""/>
+        <p:cNvGrpSpPr/>
+        <p:nvPr/>
+      </p:nvGrpSpPr>
+      <p:grpSpPr>
+        <a:xfrm>
+          <a:off x="0" y="0"/>
+          <a:ext cx="0" cy="0"/>
+          <a:chOff x="0" y="0"/>
+          <a:chExt cx="0" cy="0"/>
+        </a:xfrm>
+      </p:grpSpPr>
+      <p:sp>
+        <p:nvSpPr>
+          <p:cNvPr id="2" name="標題 1">
+            <a:extLst>
+              <a:ext uri="{FF2B5EF4-FFF2-40B4-BE49-F238E27FC236}">
+                <a16:creationId xmlns:a16="http://schemas.microsoft.com/office/drawing/2014/main" id="{9A7B1E69-0DDE-4232-BF17-DA9DD21C65A0}"/>
+              </a:ext>
+            </a:extLst>
+          </p:cNvPr>
+          <p:cNvSpPr>
+            <a:spLocks noGrp="1"/>
+          </p:cNvSpPr>
+          <p:nvPr>
+            <p:ph type="title"/>
+          </p:nvPr>
+        </p:nvSpPr>
+        <p:spPr/>
+        <p:txBody>
+          <a:bodyPr/>
+          <a:lstStyle/>
+          <a:p>
+            <a:endParaRPr lang="zh-TW" altLang="en-US"/>
+          </a:p>
+        </p:txBody>
+      </p:sp>
+      <p:sp>
+        <p:nvSpPr>
+          <p:cNvPr id="3" name="內容版面配置區 2">
+            <a:extLst>
+              <a:ext uri="{FF2B5EF4-FFF2-40B4-BE49-F238E27FC236}">
+                <a16:creationId xmlns:a16="http://schemas.microsoft.com/office/drawing/2014/main" id="{8FC47C4C-660F-4162-BEEE-D3D3E29A2616}"/>
+              </a:ext>
+            </a:extLst>
+          </p:cNvPr>
+          <p:cNvSpPr>
+            <a:spLocks noGrp="1"/>
+          </p:cNvSpPr>
+          <p:nvPr>
+            <p:ph idx="1"/>
+          </p:nvPr>
+        </p:nvSpPr>
+        <p:spPr/>
+        <p:txBody>
+          <a:bodyPr/>
+          <a:lstStyle/>
+          <a:p>
+            <a:endParaRPr lang="zh-TW" altLang="en-US"/>
+          </a:p>
+        </p:txBody>
+      </p:sp>
+    </p:spTree>
+    <p:extLst>
+      <p:ext uri="{BB962C8B-B14F-4D97-AF65-F5344CB8AC3E}">
+        <p14:creationId xmlns:p14="http://schemas.microsoft.com/office/powerpoint/2010/main" val="2775842465"/>
+      </p:ext>
+    </p:extLst>
+  </p:cSld>
+  <p:clrMapOvr>
+    <a:masterClrMapping/>
+  </p:clrMapOvr>
+</p:sld>
+</file>
+
+<file path=ppt/slides/slide19.xml><?xml version="1.0" encoding="utf-8"?>
+<p:sld xmlns:a="http://schemas.openxmlformats.org/drawingml/2006/main" xmlns:r="http://schemas.openxmlformats.org/officeDocument/2006/relationships" xmlns:p="http://schemas.openxmlformats.org/presentationml/2006/main">
+  <p:cSld>
+    <p:spTree>
+      <p:nvGrpSpPr>
+        <p:cNvPr id="1" name=""/>
+        <p:cNvGrpSpPr/>
+        <p:nvPr/>
+      </p:nvGrpSpPr>
+      <p:grpSpPr>
+        <a:xfrm>
+          <a:off x="0" y="0"/>
+          <a:ext cx="0" cy="0"/>
+          <a:chOff x="0" y="0"/>
+          <a:chExt cx="0" cy="0"/>
+        </a:xfrm>
+      </p:grpSpPr>
+      <p:sp>
+        <p:nvSpPr>
+          <p:cNvPr id="2" name="標題 1">
+            <a:extLst>
+              <a:ext uri="{FF2B5EF4-FFF2-40B4-BE49-F238E27FC236}">
+                <a16:creationId xmlns:a16="http://schemas.microsoft.com/office/drawing/2014/main" id="{9ED7DE2C-3037-4AEF-AAAA-94ED8A1677CB}"/>
+              </a:ext>
+            </a:extLst>
+          </p:cNvPr>
+          <p:cNvSpPr>
+            <a:spLocks noGrp="1"/>
+          </p:cNvSpPr>
+          <p:nvPr>
+            <p:ph type="title"/>
+          </p:nvPr>
+        </p:nvSpPr>
+        <p:spPr/>
+        <p:txBody>
+          <a:bodyPr/>
+          <a:lstStyle/>
+          <a:p>
+            <a:endParaRPr lang="zh-TW" altLang="en-US"/>
+          </a:p>
+        </p:txBody>
+      </p:sp>
+      <p:sp>
+        <p:nvSpPr>
+          <p:cNvPr id="3" name="內容版面配置區 2">
+            <a:extLst>
+              <a:ext uri="{FF2B5EF4-FFF2-40B4-BE49-F238E27FC236}">
+                <a16:creationId xmlns:a16="http://schemas.microsoft.com/office/drawing/2014/main" id="{88225859-8BEA-4D1C-B409-D4E0F327DEE3}"/>
+              </a:ext>
+            </a:extLst>
+          </p:cNvPr>
+          <p:cNvSpPr>
+            <a:spLocks noGrp="1"/>
+          </p:cNvSpPr>
+          <p:nvPr>
+            <p:ph idx="1"/>
+          </p:nvPr>
+        </p:nvSpPr>
+        <p:spPr/>
+        <p:txBody>
+          <a:bodyPr/>
+          <a:lstStyle/>
+          <a:p>
+            <a:r>
+              <a:rPr lang="en-US" altLang="zh-TW" dirty="0"/>
+              <a:t>Java XML Tutorial</a:t>
+            </a:r>
+          </a:p>
+          <a:p>
+            <a:pPr lvl="1"/>
+            <a:r>
+              <a:rPr lang="en-US" altLang="zh-TW" dirty="0"/>
+              <a:t>https://www.tutorialspoint.com/java_xml/</a:t>
+            </a:r>
+            <a:endParaRPr lang="en-US" altLang="zh-TW" b="1" dirty="0"/>
+          </a:p>
+          <a:p>
+            <a:r>
+              <a:rPr lang="en-US" altLang="zh-TW" b="1" dirty="0"/>
+              <a:t>Trail: Java API for XML Processing (JAXP)</a:t>
+            </a:r>
+          </a:p>
+          <a:p>
+            <a:pPr lvl="1"/>
+            <a:r>
+              <a:rPr lang="en-US" altLang="zh-TW" dirty="0">
+                <a:hlinkClick r:id="rId2"/>
+              </a:rPr>
+              <a:t>https://docs.oracle.com/javase/tutorial/jaxp/index.html</a:t>
+            </a:r>
+            <a:endParaRPr lang="zh-TW" altLang="en-US" dirty="0"/>
+          </a:p>
+        </p:txBody>
+      </p:sp>
+    </p:spTree>
+    <p:extLst>
+      <p:ext uri="{BB962C8B-B14F-4D97-AF65-F5344CB8AC3E}">
+        <p14:creationId xmlns:p14="http://schemas.microsoft.com/office/powerpoint/2010/main" val="2672960816"/>
+      </p:ext>
+    </p:extLst>
+  </p:cSld>
+  <p:clrMapOvr>
+    <a:masterClrMapping/>
+  </p:clrMapOvr>
+</p:sld>
+</file>
+
+<file path=ppt/slides/slide2.xml><?xml version="1.0" encoding="utf-8"?>
+<p:sld xmlns:a="http://schemas.openxmlformats.org/drawingml/2006/main" xmlns:r="http://schemas.openxmlformats.org/officeDocument/2006/relationships" xmlns:p="http://schemas.openxmlformats.org/presentationml/2006/main">
+  <p:cSld>
+    <p:spTree>
+      <p:nvGrpSpPr>
+        <p:cNvPr id="1" name=""/>
+        <p:cNvGrpSpPr/>
+        <p:nvPr/>
+      </p:nvGrpSpPr>
+      <p:grpSpPr>
+        <a:xfrm>
+          <a:off x="0" y="0"/>
+          <a:ext cx="0" cy="0"/>
+          <a:chOff x="0" y="0"/>
+          <a:chExt cx="0" cy="0"/>
+        </a:xfrm>
+      </p:grpSpPr>
+      <p:sp>
+        <p:nvSpPr>
+          <p:cNvPr id="2" name="標題 1">
+            <a:extLst>
+              <a:ext uri="{FF2B5EF4-FFF2-40B4-BE49-F238E27FC236}">
+                <a16:creationId xmlns:a16="http://schemas.microsoft.com/office/drawing/2014/main" id="{F72A9B16-CCD4-441E-A172-DDAA2543961B}"/>
+              </a:ext>
+            </a:extLst>
+          </p:cNvPr>
+          <p:cNvSpPr>
+            <a:spLocks noGrp="1"/>
+          </p:cNvSpPr>
+          <p:nvPr>
+            <p:ph type="title"/>
+          </p:nvPr>
+        </p:nvSpPr>
+        <p:spPr/>
+        <p:txBody>
+          <a:bodyPr/>
+          <a:lstStyle/>
+          <a:p>
+            <a:r>
+              <a:rPr lang="en-US" altLang="zh-TW" dirty="0"/>
+              <a:t>1. What is XML?</a:t>
+            </a:r>
+            <a:endParaRPr lang="zh-TW" altLang="en-US" dirty="0"/>
+          </a:p>
+        </p:txBody>
+      </p:sp>
+      <p:sp>
+        <p:nvSpPr>
+          <p:cNvPr id="3" name="內容版面配置區 2">
+            <a:extLst>
+              <a:ext uri="{FF2B5EF4-FFF2-40B4-BE49-F238E27FC236}">
+                <a16:creationId xmlns:a16="http://schemas.microsoft.com/office/drawing/2014/main" id="{93F80D76-C310-4866-95CC-23FE41550361}"/>
+              </a:ext>
+            </a:extLst>
+          </p:cNvPr>
+          <p:cNvSpPr>
+            <a:spLocks noGrp="1"/>
+          </p:cNvSpPr>
+          <p:nvPr>
+            <p:ph idx="1"/>
+          </p:nvPr>
+        </p:nvSpPr>
+        <p:spPr/>
+        <p:txBody>
+          <a:bodyPr/>
+          <a:lstStyle/>
+          <a:p>
+            <a:r>
+              <a:rPr lang="en-US" altLang="zh-TW" dirty="0"/>
+              <a:t>XML is a markup language.</a:t>
+            </a:r>
+          </a:p>
+          <a:p>
+            <a:r>
+              <a:rPr lang="en-US" altLang="zh-TW" dirty="0"/>
+              <a:t>XML is a tag based language like HTML.</a:t>
+            </a:r>
+          </a:p>
+          <a:p>
+            <a:r>
+              <a:rPr lang="en-US" altLang="zh-TW" dirty="0"/>
+              <a:t>XML tags are not predefined like HTML.</a:t>
+            </a:r>
+          </a:p>
+          <a:p>
+            <a:r>
+              <a:rPr lang="en-US" altLang="zh-TW" dirty="0"/>
+              <a:t>You can define your own tags which is why it is called extensible language.</a:t>
+            </a:r>
+          </a:p>
+          <a:p>
+            <a:r>
+              <a:rPr lang="en-US" altLang="zh-TW" dirty="0"/>
+              <a:t>XML tags are designed to be self-descriptive.</a:t>
+            </a:r>
+          </a:p>
+          <a:p>
+            <a:r>
+              <a:rPr lang="en-US" altLang="zh-TW" dirty="0"/>
+              <a:t>XML is W3C Recommendation for data storage and data transfer.</a:t>
+            </a:r>
+          </a:p>
+          <a:p>
+            <a:endParaRPr lang="zh-TW" altLang="en-US" dirty="0"/>
+          </a:p>
+        </p:txBody>
+      </p:sp>
+    </p:spTree>
+    <p:extLst>
+      <p:ext uri="{BB962C8B-B14F-4D97-AF65-F5344CB8AC3E}">
+        <p14:creationId xmlns:p14="http://schemas.microsoft.com/office/powerpoint/2010/main" val="3377125877"/>
+      </p:ext>
+    </p:extLst>
+  </p:cSld>
+  <p:clrMapOvr>
+    <a:masterClrMapping/>
+  </p:clrMapOvr>
+</p:sld>
+</file>
+
+<file path=ppt/slides/slide3.xml><?xml version="1.0" encoding="utf-8"?>
+<p:sld xmlns:a="http://schemas.openxmlformats.org/drawingml/2006/main" xmlns:r="http://schemas.openxmlformats.org/officeDocument/2006/relationships" xmlns:p="http://schemas.openxmlformats.org/presentationml/2006/main">
+  <p:cSld>
+    <p:spTree>
+      <p:nvGrpSpPr>
+        <p:cNvPr id="1" name=""/>
+        <p:cNvGrpSpPr/>
+        <p:nvPr/>
+      </p:nvGrpSpPr>
+      <p:grpSpPr>
+        <a:xfrm>
+          <a:off x="0" y="0"/>
+          <a:ext cx="0" cy="0"/>
+          <a:chOff x="0" y="0"/>
+          <a:chExt cx="0" cy="0"/>
+        </a:xfrm>
+      </p:grpSpPr>
+      <p:sp>
+        <p:nvSpPr>
+          <p:cNvPr id="2" name="標題 1">
+            <a:extLst>
+              <a:ext uri="{FF2B5EF4-FFF2-40B4-BE49-F238E27FC236}">
+                <a16:creationId xmlns:a16="http://schemas.microsoft.com/office/drawing/2014/main" id="{9D6B0CFD-5416-466D-80CB-53B9EF73734A}"/>
+              </a:ext>
+            </a:extLst>
+          </p:cNvPr>
+          <p:cNvSpPr>
+            <a:spLocks noGrp="1"/>
+          </p:cNvSpPr>
+          <p:nvPr>
+            <p:ph type="title"/>
+          </p:nvPr>
+        </p:nvSpPr>
+        <p:spPr/>
+        <p:txBody>
+          <a:bodyPr/>
+          <a:lstStyle/>
+          <a:p>
+            <a:endParaRPr lang="zh-TW" altLang="en-US"/>
+          </a:p>
+        </p:txBody>
+      </p:sp>
+      <p:sp>
+        <p:nvSpPr>
+          <p:cNvPr id="3" name="內容版面配置區 2">
+            <a:extLst>
+              <a:ext uri="{FF2B5EF4-FFF2-40B4-BE49-F238E27FC236}">
+                <a16:creationId xmlns:a16="http://schemas.microsoft.com/office/drawing/2014/main" id="{00E91F8A-1E83-4270-9CC3-088AC71C7BC0}"/>
+              </a:ext>
+            </a:extLst>
+          </p:cNvPr>
+          <p:cNvSpPr>
+            <a:spLocks noGrp="1"/>
+          </p:cNvSpPr>
+          <p:nvPr>
+            <p:ph idx="1"/>
+          </p:nvPr>
+        </p:nvSpPr>
+        <p:spPr/>
+        <p:txBody>
+          <a:bodyPr>
+            <a:normAutofit/>
+          </a:bodyPr>
+          <a:lstStyle/>
+          <a:p>
+            <a:r>
+              <a:rPr lang="en-US" altLang="zh-TW" dirty="0"/>
+              <a:t>Advantages</a:t>
+            </a:r>
+          </a:p>
+          <a:p>
+            <a:pPr lvl="1"/>
+            <a:r>
+              <a:rPr lang="en-US" altLang="zh-TW" dirty="0"/>
+              <a:t>Technology agnostic − Being plain text, XML is technology independent. It can be used by any technology for data storage and data transfer purpose.</a:t>
+            </a:r>
+          </a:p>
+          <a:p>
+            <a:pPr lvl="1"/>
+            <a:r>
+              <a:rPr lang="en-US" altLang="zh-TW" dirty="0"/>
+              <a:t>Human readable − XML uses simple text format. It is human readable and understandable.</a:t>
+            </a:r>
+          </a:p>
+          <a:p>
+            <a:pPr lvl="1"/>
+            <a:r>
+              <a:rPr lang="en-US" altLang="zh-TW" dirty="0"/>
+              <a:t>Extensible − In XML, custom tags can be created and used very easily.</a:t>
+            </a:r>
+          </a:p>
+          <a:p>
+            <a:pPr lvl="1"/>
+            <a:r>
+              <a:rPr lang="en-US" altLang="zh-TW" dirty="0"/>
+              <a:t>Allow Validation − Using XSD, DTD and XML structures can be validated easily.</a:t>
+            </a:r>
+          </a:p>
+          <a:p>
+            <a:r>
+              <a:rPr lang="en-US" altLang="zh-TW" dirty="0"/>
+              <a:t>Disadvantages</a:t>
+            </a:r>
+          </a:p>
+          <a:p>
+            <a:pPr lvl="1"/>
+            <a:r>
+              <a:rPr lang="en-US" altLang="zh-TW" dirty="0"/>
+              <a:t>Redundant Syntax − Normally XML files contain a lot of repetitive terms.</a:t>
+            </a:r>
+          </a:p>
+          <a:p>
+            <a:pPr lvl="1"/>
+            <a:r>
+              <a:rPr lang="en-US" altLang="zh-TW" dirty="0"/>
+              <a:t>Verbose − Being a verbose language, XML file size increases the transmission and storage costs.</a:t>
+            </a:r>
+            <a:endParaRPr lang="zh-TW" altLang="en-US" dirty="0"/>
+          </a:p>
+        </p:txBody>
+      </p:sp>
+    </p:spTree>
+    <p:extLst>
+      <p:ext uri="{BB962C8B-B14F-4D97-AF65-F5344CB8AC3E}">
+        <p14:creationId xmlns:p14="http://schemas.microsoft.com/office/powerpoint/2010/main" val="3157648912"/>
+      </p:ext>
+    </p:extLst>
+  </p:cSld>
+  <p:clrMapOvr>
+    <a:masterClrMapping/>
+  </p:clrMapOvr>
+</p:sld>
+</file>
+
+<file path=ppt/slides/slide4.xml><?xml version="1.0" encoding="utf-8"?>
+<p:sld xmlns:a="http://schemas.openxmlformats.org/drawingml/2006/main" xmlns:r="http://schemas.openxmlformats.org/officeDocument/2006/relationships" xmlns:p="http://schemas.openxmlformats.org/presentationml/2006/main">
+  <p:cSld>
+    <p:spTree>
+      <p:nvGrpSpPr>
+        <p:cNvPr id="1" name=""/>
+        <p:cNvGrpSpPr/>
+        <p:nvPr/>
+      </p:nvGrpSpPr>
+      <p:grpSpPr>
+        <a:xfrm>
+          <a:off x="0" y="0"/>
+          <a:ext cx="0" cy="0"/>
+          <a:chOff x="0" y="0"/>
+          <a:chExt cx="0" cy="0"/>
+        </a:xfrm>
+      </p:grpSpPr>
+      <p:sp>
+        <p:nvSpPr>
+          <p:cNvPr id="2" name="標題 1">
+            <a:extLst>
+              <a:ext uri="{FF2B5EF4-FFF2-40B4-BE49-F238E27FC236}">
+                <a16:creationId xmlns:a16="http://schemas.microsoft.com/office/drawing/2014/main" id="{356B62D9-0AF8-42BF-87E0-3372A1C8418B}"/>
+              </a:ext>
+            </a:extLst>
+          </p:cNvPr>
+          <p:cNvSpPr>
+            <a:spLocks noGrp="1"/>
+          </p:cNvSpPr>
+          <p:nvPr>
+            <p:ph type="title"/>
+          </p:nvPr>
+        </p:nvSpPr>
+        <p:spPr/>
+        <p:txBody>
+          <a:bodyPr/>
+          <a:lstStyle/>
+          <a:p>
+            <a:r>
+              <a:rPr lang="en-US" altLang="zh-TW" dirty="0"/>
+              <a:t>2. What is XML Parser?</a:t>
+            </a:r>
+            <a:endParaRPr lang="zh-TW" altLang="en-US" dirty="0"/>
+          </a:p>
+        </p:txBody>
+      </p:sp>
+      <p:sp>
+        <p:nvSpPr>
+          <p:cNvPr id="3" name="內容版面配置區 2">
+            <a:extLst>
+              <a:ext uri="{FF2B5EF4-FFF2-40B4-BE49-F238E27FC236}">
+                <a16:creationId xmlns:a16="http://schemas.microsoft.com/office/drawing/2014/main" id="{6E00E680-2746-4FC5-BCEC-2FF150DDDBA5}"/>
+              </a:ext>
+            </a:extLst>
+          </p:cNvPr>
+          <p:cNvSpPr>
+            <a:spLocks noGrp="1"/>
+          </p:cNvSpPr>
+          <p:nvPr>
+            <p:ph idx="1"/>
+          </p:nvPr>
+        </p:nvSpPr>
+        <p:spPr/>
+        <p:txBody>
+          <a:bodyPr>
+            <a:normAutofit fontScale="70000" lnSpcReduction="20000"/>
+          </a:bodyPr>
+          <a:lstStyle/>
+          <a:p>
+            <a:r>
+              <a:rPr lang="en-US" altLang="zh-TW" dirty="0"/>
+              <a:t>Dom Parser − </a:t>
+            </a:r>
+          </a:p>
+          <a:p>
+            <a:pPr lvl="1"/>
+            <a:r>
+              <a:rPr lang="en-US" altLang="zh-TW" dirty="0"/>
+              <a:t>Parses an XML document by loading the complete contents of the document and creating its complete hierarchical tree in memory.</a:t>
+            </a:r>
+          </a:p>
+          <a:p>
+            <a:r>
+              <a:rPr lang="en-US" altLang="zh-TW" dirty="0"/>
+              <a:t>SAX Parser − </a:t>
+            </a:r>
+          </a:p>
+          <a:p>
+            <a:pPr lvl="1"/>
+            <a:r>
+              <a:rPr lang="en-US" altLang="zh-TW" dirty="0"/>
+              <a:t>Parses an XML document on event-based triggers. Does not load the complete document into the memory.</a:t>
+            </a:r>
+          </a:p>
+          <a:p>
+            <a:r>
+              <a:rPr lang="en-US" altLang="zh-TW" dirty="0"/>
+              <a:t>JDOM Parser − </a:t>
+            </a:r>
+          </a:p>
+          <a:p>
+            <a:pPr lvl="1"/>
+            <a:r>
+              <a:rPr lang="en-US" altLang="zh-TW" dirty="0"/>
+              <a:t>Parses an XML document in a similar fashion to DOM parser but in an easier way.</a:t>
+            </a:r>
+          </a:p>
+          <a:p>
+            <a:r>
+              <a:rPr lang="en-US" altLang="zh-TW" dirty="0" err="1"/>
+              <a:t>StAX</a:t>
+            </a:r>
+            <a:r>
+              <a:rPr lang="en-US" altLang="zh-TW" dirty="0"/>
+              <a:t> Parser − </a:t>
+            </a:r>
+          </a:p>
+          <a:p>
+            <a:pPr lvl="1"/>
+            <a:r>
+              <a:rPr lang="en-US" altLang="zh-TW" dirty="0"/>
+              <a:t>Parses an XML document in a similar fashion to SAX parser but in a more efficient way.</a:t>
+            </a:r>
+          </a:p>
+          <a:p>
+            <a:r>
+              <a:rPr lang="en-US" altLang="zh-TW" dirty="0"/>
+              <a:t>XPath Parser − </a:t>
+            </a:r>
+          </a:p>
+          <a:p>
+            <a:pPr lvl="1"/>
+            <a:r>
+              <a:rPr lang="en-US" altLang="zh-TW" dirty="0"/>
+              <a:t>Parses an XML document based on expression and is used extensively in conjunction with XSLT.</a:t>
+            </a:r>
+          </a:p>
+          <a:p>
+            <a:r>
+              <a:rPr lang="en-US" altLang="zh-TW" dirty="0"/>
+              <a:t>DOM4J Parser − </a:t>
+            </a:r>
+          </a:p>
+          <a:p>
+            <a:pPr lvl="1"/>
+            <a:r>
+              <a:rPr lang="en-US" altLang="zh-TW" dirty="0"/>
+              <a:t>A java library to parse XML, XPath, and XSLT using Java Collections Framework. It provides support for DOM, SAX, and JAXP.</a:t>
+            </a:r>
+          </a:p>
+        </p:txBody>
+      </p:sp>
+    </p:spTree>
+    <p:extLst>
+      <p:ext uri="{BB962C8B-B14F-4D97-AF65-F5344CB8AC3E}">
+        <p14:creationId xmlns:p14="http://schemas.microsoft.com/office/powerpoint/2010/main" val="907037293"/>
+      </p:ext>
+    </p:extLst>
+  </p:cSld>
+  <p:clrMapOvr>
+    <a:masterClrMapping/>
+  </p:clrMapOvr>
+</p:sld>
+</file>
+
+<file path=ppt/slides/slide5.xml><?xml version="1.0" encoding="utf-8"?>
+<p:sld xmlns:a="http://schemas.openxmlformats.org/drawingml/2006/main" xmlns:r="http://schemas.openxmlformats.org/officeDocument/2006/relationships" xmlns:p="http://schemas.openxmlformats.org/presentationml/2006/main">
+  <p:cSld>
+    <p:spTree>
+      <p:nvGrpSpPr>
+        <p:cNvPr id="1" name=""/>
+        <p:cNvGrpSpPr/>
+        <p:nvPr/>
+      </p:nvGrpSpPr>
+      <p:grpSpPr>
+        <a:xfrm>
+          <a:off x="0" y="0"/>
+          <a:ext cx="0" cy="0"/>
+          <a:chOff x="0" y="0"/>
+          <a:chExt cx="0" cy="0"/>
+        </a:xfrm>
+      </p:grpSpPr>
+      <p:sp>
+        <p:nvSpPr>
+          <p:cNvPr id="2" name="標題 1">
+            <a:extLst>
+              <a:ext uri="{FF2B5EF4-FFF2-40B4-BE49-F238E27FC236}">
+                <a16:creationId xmlns:a16="http://schemas.microsoft.com/office/drawing/2014/main" id="{0BF1C26A-45F8-4576-8187-D49D797B4D28}"/>
+              </a:ext>
+            </a:extLst>
+          </p:cNvPr>
+          <p:cNvSpPr>
+            <a:spLocks noGrp="1"/>
+          </p:cNvSpPr>
+          <p:nvPr>
+            <p:ph type="title"/>
+          </p:nvPr>
+        </p:nvSpPr>
+        <p:spPr/>
+        <p:txBody>
+          <a:bodyPr/>
+          <a:lstStyle/>
+          <a:p>
+            <a:r>
+              <a:rPr lang="en-US" altLang="zh-TW" dirty="0"/>
+              <a:t>3. Java DOM Parser</a:t>
+            </a:r>
+            <a:endParaRPr lang="zh-TW" altLang="en-US" dirty="0"/>
+          </a:p>
+        </p:txBody>
+      </p:sp>
+      <p:sp>
+        <p:nvSpPr>
+          <p:cNvPr id="3" name="內容版面配置區 2">
+            <a:extLst>
+              <a:ext uri="{FF2B5EF4-FFF2-40B4-BE49-F238E27FC236}">
+                <a16:creationId xmlns:a16="http://schemas.microsoft.com/office/drawing/2014/main" id="{192B3FAF-8815-4F01-809F-F5898F97A485}"/>
+              </a:ext>
+            </a:extLst>
+          </p:cNvPr>
+          <p:cNvSpPr>
+            <a:spLocks noGrp="1"/>
+          </p:cNvSpPr>
+          <p:nvPr>
+            <p:ph idx="1"/>
+          </p:nvPr>
+        </p:nvSpPr>
+        <p:spPr/>
+        <p:txBody>
+          <a:bodyPr>
+            <a:normAutofit fontScale="92500" lnSpcReduction="10000"/>
+          </a:bodyPr>
+          <a:lstStyle/>
+          <a:p>
+            <a:r>
+              <a:rPr lang="en-US" altLang="zh-TW" dirty="0"/>
+              <a:t>It defines an interface that enables programs to access and update the style, structure, and contents of XML documents. </a:t>
+            </a:r>
+          </a:p>
+          <a:p>
+            <a:r>
+              <a:rPr lang="en-US" altLang="zh-TW" dirty="0"/>
+              <a:t>You should use a DOM parser when −</a:t>
+            </a:r>
+          </a:p>
+          <a:p>
+            <a:pPr lvl="1"/>
+            <a:r>
+              <a:rPr lang="en-US" altLang="zh-TW" dirty="0"/>
+              <a:t>You need to know a lot about the structure of a document.</a:t>
+            </a:r>
+          </a:p>
+          <a:p>
+            <a:pPr lvl="1"/>
+            <a:r>
+              <a:rPr lang="en-US" altLang="zh-TW" dirty="0"/>
+              <a:t>You need to move parts of an XML document around (you might want to sort certain elements, for example).</a:t>
+            </a:r>
+          </a:p>
+          <a:p>
+            <a:pPr lvl="1"/>
+            <a:r>
+              <a:rPr lang="en-US" altLang="zh-TW" dirty="0"/>
+              <a:t>You need to use the information in an XML document more than once.</a:t>
+            </a:r>
+          </a:p>
+          <a:p>
+            <a:r>
+              <a:rPr lang="en-US" altLang="zh-TW" dirty="0"/>
+              <a:t>What You Get?</a:t>
+            </a:r>
+          </a:p>
+          <a:p>
+            <a:pPr lvl="1"/>
+            <a:r>
+              <a:rPr lang="en-US" altLang="zh-TW" dirty="0"/>
+              <a:t>When you parse an XML document with a DOM parser, you get back a tree structure that contains all of the elements of your document. </a:t>
+            </a:r>
+          </a:p>
+          <a:p>
+            <a:pPr lvl="1"/>
+            <a:r>
+              <a:rPr lang="en-US" altLang="zh-TW" dirty="0"/>
+              <a:t>The DOM provides a variety of functions you can use to examine the contents and structure of the document.</a:t>
+            </a:r>
+            <a:endParaRPr lang="zh-TW" altLang="en-US" dirty="0"/>
+          </a:p>
+        </p:txBody>
+      </p:sp>
+    </p:spTree>
+    <p:extLst>
+      <p:ext uri="{BB962C8B-B14F-4D97-AF65-F5344CB8AC3E}">
+        <p14:creationId xmlns:p14="http://schemas.microsoft.com/office/powerpoint/2010/main" val="659164867"/>
+      </p:ext>
+    </p:extLst>
+  </p:cSld>
+  <p:clrMapOvr>
+    <a:masterClrMapping/>
+  </p:clrMapOvr>
+</p:sld>
+</file>
+
+<file path=ppt/slides/slide6.xml><?xml version="1.0" encoding="utf-8"?>
+<p:sld xmlns:a="http://schemas.openxmlformats.org/drawingml/2006/main" xmlns:r="http://schemas.openxmlformats.org/officeDocument/2006/relationships" xmlns:p="http://schemas.openxmlformats.org/presentationml/2006/main">
+  <p:cSld>
+    <p:spTree>
+      <p:nvGrpSpPr>
+        <p:cNvPr id="1" name=""/>
+        <p:cNvGrpSpPr/>
+        <p:nvPr/>
+      </p:nvGrpSpPr>
+      <p:grpSpPr>
+        <a:xfrm>
+          <a:off x="0" y="0"/>
+          <a:ext cx="0" cy="0"/>
+          <a:chOff x="0" y="0"/>
+          <a:chExt cx="0" cy="0"/>
+        </a:xfrm>
+      </p:grpSpPr>
+      <p:sp>
+        <p:nvSpPr>
+          <p:cNvPr id="2" name="標題 1">
+            <a:extLst>
+              <a:ext uri="{FF2B5EF4-FFF2-40B4-BE49-F238E27FC236}">
+                <a16:creationId xmlns:a16="http://schemas.microsoft.com/office/drawing/2014/main" id="{6C57F8D6-9780-4AF2-8885-51B5B6AB13ED}"/>
+              </a:ext>
+            </a:extLst>
+          </p:cNvPr>
+          <p:cNvSpPr>
+            <a:spLocks noGrp="1"/>
+          </p:cNvSpPr>
+          <p:nvPr>
+            <p:ph type="title"/>
+          </p:nvPr>
+        </p:nvSpPr>
+        <p:spPr/>
+        <p:txBody>
+          <a:bodyPr/>
+          <a:lstStyle/>
+          <a:p>
+            <a:endParaRPr lang="zh-TW" altLang="en-US"/>
+          </a:p>
+        </p:txBody>
+      </p:sp>
+      <p:sp>
+        <p:nvSpPr>
+          <p:cNvPr id="3" name="內容版面配置區 2">
+            <a:extLst>
+              <a:ext uri="{FF2B5EF4-FFF2-40B4-BE49-F238E27FC236}">
+                <a16:creationId xmlns:a16="http://schemas.microsoft.com/office/drawing/2014/main" id="{865BF7B3-7D83-456C-850C-9636E9AAB7FB}"/>
+              </a:ext>
+            </a:extLst>
+          </p:cNvPr>
+          <p:cNvSpPr>
+            <a:spLocks noGrp="1"/>
+          </p:cNvSpPr>
+          <p:nvPr>
+            <p:ph idx="1"/>
+          </p:nvPr>
+        </p:nvSpPr>
+        <p:spPr/>
+        <p:txBody>
+          <a:bodyPr/>
+          <a:lstStyle/>
+          <a:p>
+            <a:r>
+              <a:rPr lang="en-US" altLang="zh-TW" dirty="0"/>
+              <a:t>Advantages</a:t>
+            </a:r>
+          </a:p>
+          <a:p>
+            <a:pPr lvl="1"/>
+            <a:r>
+              <a:rPr lang="en-US" altLang="zh-TW" dirty="0"/>
+              <a:t>The DOM is a common interface for manipulating document structures. </a:t>
+            </a:r>
+          </a:p>
+          <a:p>
+            <a:pPr lvl="1"/>
+            <a:r>
+              <a:rPr lang="en-US" altLang="zh-TW" dirty="0"/>
+              <a:t>One of its design goals is that Java code written for one DOM-compliant parser should run on any other DOM-compliant parser without having to do any modifications.</a:t>
+            </a:r>
+            <a:endParaRPr lang="zh-TW" altLang="en-US" dirty="0"/>
+          </a:p>
+        </p:txBody>
+      </p:sp>
+    </p:spTree>
+    <p:extLst>
+      <p:ext uri="{BB962C8B-B14F-4D97-AF65-F5344CB8AC3E}">
+        <p14:creationId xmlns:p14="http://schemas.microsoft.com/office/powerpoint/2010/main" val="4102292315"/>
+      </p:ext>
+    </p:extLst>
+  </p:cSld>
+  <p:clrMapOvr>
+    <a:masterClrMapping/>
+  </p:clrMapOvr>
+</p:sld>
+</file>
+
 <file path=ppt/slides/slide7.xml><?xml version="1.0" encoding="utf-8"?>
 <p:sld xmlns:a="http://schemas.openxmlformats.org/drawingml/2006/main" xmlns:r="http://schemas.openxmlformats.org/officeDocument/2006/relationships" xmlns:p="http://schemas.openxmlformats.org/presentationml/2006/main">
   <p:cSld>
@@ -4283,7 +5624,7 @@
           <p:cNvPr id="2" name="標題 1">
             <a:extLst>
               <a:ext uri="{FF2B5EF4-FFF2-40B4-BE49-F238E27FC236}">
-                <a16:creationId xmlns:a16="http://schemas.microsoft.com/office/drawing/2014/main" id="{05839CCA-7242-4873-BDA4-26A3D63B01D1}"/>
+                <a16:creationId xmlns:a16="http://schemas.microsoft.com/office/drawing/2014/main" id="{BED243D5-6232-498D-BC51-E65AB84A98A3}"/>
               </a:ext>
             </a:extLst>
           </p:cNvPr>
@@ -4299,7 +5640,11 @@
           <a:bodyPr/>
           <a:lstStyle/>
           <a:p>
-            <a:endParaRPr lang="zh-TW" altLang="en-US"/>
+            <a:r>
+              <a:rPr lang="en-US" altLang="zh-TW" dirty="0"/>
+              <a:t>common DOM interfaces</a:t>
+            </a:r>
+            <a:endParaRPr lang="zh-TW" altLang="en-US" dirty="0"/>
           </a:p>
         </p:txBody>
       </p:sp>
@@ -4308,7 +5653,7 @@
           <p:cNvPr id="3" name="內容版面配置區 2">
             <a:extLst>
               <a:ext uri="{FF2B5EF4-FFF2-40B4-BE49-F238E27FC236}">
-                <a16:creationId xmlns:a16="http://schemas.microsoft.com/office/drawing/2014/main" id="{819008C3-4BDF-468C-B317-4F9BB8C04A40}"/>
+                <a16:creationId xmlns:a16="http://schemas.microsoft.com/office/drawing/2014/main" id="{E5AB9376-DB2F-40FF-8EFE-24F8E5F7FB9A}"/>
               </a:ext>
             </a:extLst>
           </p:cNvPr>
@@ -4322,33 +5667,51 @@
         <p:spPr/>
         <p:txBody>
           <a:bodyPr>
-            <a:normAutofit fontScale="77500" lnSpcReduction="20000"/>
+            <a:normAutofit/>
           </a:bodyPr>
           <a:lstStyle/>
           <a:p>
             <a:r>
+              <a:rPr lang="en-US" altLang="zh-TW" b="1" dirty="0"/>
+              <a:t>Node</a:t>
+            </a:r>
+            <a:r>
+              <a:rPr lang="en-US" altLang="zh-TW" dirty="0"/>
+              <a:t> − The base datatype of the DOM.</a:t>
+            </a:r>
+          </a:p>
+          <a:p>
+            <a:r>
+              <a:rPr lang="en-US" altLang="zh-TW" b="1" dirty="0"/>
+              <a:t>Element</a:t>
+            </a:r>
+            <a:r>
+              <a:rPr lang="en-US" altLang="zh-TW" dirty="0"/>
+              <a:t> − The vast majority of the objects you'll deal with are Elements.</a:t>
+            </a:r>
+          </a:p>
+          <a:p>
+            <a:r>
+              <a:rPr lang="en-US" altLang="zh-TW" b="1" dirty="0" err="1"/>
+              <a:t>Attr</a:t>
+            </a:r>
+            <a:r>
+              <a:rPr lang="en-US" altLang="zh-TW" dirty="0"/>
+              <a:t> − Represents an attribute of an element.</a:t>
+            </a:r>
+          </a:p>
+          <a:p>
+            <a:r>
+              <a:rPr lang="en-US" altLang="zh-TW" b="1" dirty="0"/>
+              <a:t>Text</a:t>
+            </a:r>
+            <a:r>
+              <a:rPr lang="en-US" altLang="zh-TW" dirty="0"/>
+              <a:t> − The actual content of an Element or </a:t>
+            </a:r>
+            <a:r>
               <a:rPr lang="en-US" altLang="zh-TW" dirty="0" err="1"/>
-              <a:t>SAXParserFactory</a:t>
-            </a:r>
-            <a:endParaRPr lang="en-US" altLang="zh-TW" dirty="0"/>
-          </a:p>
-          <a:p>
-            <a:pPr lvl="1"/>
-            <a:r>
-              <a:rPr lang="en-US" altLang="zh-TW" dirty="0"/>
-              <a:t>A </a:t>
-            </a:r>
-            <a:r>
-              <a:rPr lang="en-US" altLang="zh-TW" dirty="0" err="1"/>
-              <a:t>SAXParserFactory</a:t>
-            </a:r>
-            <a:r>
-              <a:rPr lang="en-US" altLang="zh-TW" dirty="0"/>
-              <a:t> object creates an instance of the parser determined by the system property, </a:t>
-            </a:r>
-            <a:r>
-              <a:rPr lang="en-US" altLang="zh-TW" dirty="0" err="1"/>
-              <a:t>javax.xml.parsers.SAXParserFactory</a:t>
+              <a:t>Attr</a:t>
             </a:r>
             <a:r>
               <a:rPr lang="en-US" altLang="zh-TW" dirty="0"/>
@@ -4357,162 +5720,15 @@
           </a:p>
           <a:p>
             <a:r>
-              <a:rPr lang="en-US" altLang="zh-TW" dirty="0" err="1"/>
-              <a:t>SAXParser</a:t>
-            </a:r>
-            <a:endParaRPr lang="en-US" altLang="zh-TW" dirty="0"/>
-          </a:p>
-          <a:p>
-            <a:pPr lvl="1"/>
-            <a:r>
-              <a:rPr lang="en-US" altLang="zh-TW" dirty="0"/>
-              <a:t>The </a:t>
-            </a:r>
-            <a:r>
-              <a:rPr lang="en-US" altLang="zh-TW" dirty="0" err="1"/>
-              <a:t>SAXParser</a:t>
-            </a:r>
-            <a:r>
-              <a:rPr lang="en-US" altLang="zh-TW" dirty="0"/>
-              <a:t> interface defines several kinds of parse() methods. </a:t>
-            </a:r>
-          </a:p>
-          <a:p>
-            <a:pPr lvl="1"/>
-            <a:r>
-              <a:rPr lang="en-US" altLang="zh-TW" dirty="0"/>
-              <a:t>In general, you pass an XML data source and a </a:t>
-            </a:r>
-            <a:r>
-              <a:rPr lang="en-US" altLang="zh-TW" dirty="0" err="1"/>
-              <a:t>DefaultHandler</a:t>
-            </a:r>
-            <a:r>
-              <a:rPr lang="en-US" altLang="zh-TW" dirty="0"/>
-              <a:t> object to the parser, which processes the XML and invokes the appropriate methods in the handler object.</a:t>
-            </a:r>
-          </a:p>
-          <a:p>
-            <a:r>
-              <a:rPr lang="en-US" altLang="zh-TW" dirty="0" err="1"/>
-              <a:t>SAXReader</a:t>
-            </a:r>
-            <a:endParaRPr lang="en-US" altLang="zh-TW" dirty="0"/>
-          </a:p>
-          <a:p>
-            <a:pPr lvl="1"/>
-            <a:r>
-              <a:rPr lang="en-US" altLang="zh-TW" dirty="0"/>
-              <a:t>The </a:t>
-            </a:r>
-            <a:r>
-              <a:rPr lang="en-US" altLang="zh-TW" dirty="0" err="1"/>
-              <a:t>SAXParser</a:t>
-            </a:r>
-            <a:r>
-              <a:rPr lang="en-US" altLang="zh-TW" dirty="0"/>
-              <a:t> wraps a </a:t>
-            </a:r>
-            <a:r>
-              <a:rPr lang="en-US" altLang="zh-TW" dirty="0" err="1"/>
-              <a:t>SAXReader</a:t>
-            </a:r>
-            <a:r>
-              <a:rPr lang="en-US" altLang="zh-TW" dirty="0"/>
-              <a:t>. </a:t>
-            </a:r>
-          </a:p>
-          <a:p>
-            <a:pPr lvl="1"/>
-            <a:r>
-              <a:rPr lang="en-US" altLang="zh-TW" dirty="0"/>
-              <a:t>Typically, you do not care about that, but every once in a while you need to get hold of it using </a:t>
-            </a:r>
-            <a:r>
-              <a:rPr lang="en-US" altLang="zh-TW" dirty="0" err="1"/>
-              <a:t>SAXParser's</a:t>
-            </a:r>
-            <a:r>
-              <a:rPr lang="en-US" altLang="zh-TW" dirty="0"/>
-              <a:t> </a:t>
-            </a:r>
-            <a:r>
-              <a:rPr lang="en-US" altLang="zh-TW" dirty="0" err="1"/>
-              <a:t>getXMLReader</a:t>
-            </a:r>
-            <a:r>
-              <a:rPr lang="en-US" altLang="zh-TW" dirty="0"/>
-              <a:t>() so that you can configure it. </a:t>
-            </a:r>
-          </a:p>
-          <a:p>
-            <a:pPr lvl="1"/>
-            <a:r>
-              <a:rPr lang="en-US" altLang="zh-TW" dirty="0"/>
-              <a:t>It is the </a:t>
-            </a:r>
-            <a:r>
-              <a:rPr lang="en-US" altLang="zh-TW" dirty="0" err="1"/>
-              <a:t>SAXReader</a:t>
-            </a:r>
-            <a:r>
-              <a:rPr lang="en-US" altLang="zh-TW" dirty="0"/>
-              <a:t> that carries on the conversation with the SAX event handlers you define.</a:t>
-            </a:r>
-          </a:p>
-          <a:p>
-            <a:r>
-              <a:rPr lang="en-US" altLang="zh-TW" dirty="0" err="1"/>
-              <a:t>DefaultHandler</a:t>
-            </a:r>
-            <a:endParaRPr lang="en-US" altLang="zh-TW" dirty="0"/>
-          </a:p>
-          <a:p>
-            <a:pPr lvl="1"/>
-            <a:r>
-              <a:rPr lang="en-US" altLang="zh-TW" dirty="0"/>
-              <a:t>a </a:t>
-            </a:r>
-            <a:r>
-              <a:rPr lang="en-US" altLang="zh-TW" dirty="0" err="1"/>
-              <a:t>DefaultHandler</a:t>
-            </a:r>
-            <a:r>
-              <a:rPr lang="en-US" altLang="zh-TW" dirty="0"/>
-              <a:t> implements the </a:t>
-            </a:r>
-            <a:r>
-              <a:rPr lang="en-US" altLang="zh-TW" dirty="0" err="1"/>
-              <a:t>ContentHandler</a:t>
-            </a:r>
-            <a:r>
-              <a:rPr lang="en-US" altLang="zh-TW" dirty="0"/>
-              <a:t>, </a:t>
-            </a:r>
-            <a:r>
-              <a:rPr lang="en-US" altLang="zh-TW" dirty="0" err="1"/>
-              <a:t>ErrorHandler</a:t>
-            </a:r>
-            <a:r>
-              <a:rPr lang="en-US" altLang="zh-TW" dirty="0"/>
-              <a:t>, </a:t>
-            </a:r>
-            <a:r>
-              <a:rPr lang="en-US" altLang="zh-TW" dirty="0" err="1"/>
-              <a:t>DTDHandler</a:t>
-            </a:r>
-            <a:r>
-              <a:rPr lang="en-US" altLang="zh-TW" dirty="0"/>
-              <a:t>, and </a:t>
-            </a:r>
-            <a:r>
-              <a:rPr lang="en-US" altLang="zh-TW" dirty="0" err="1"/>
-              <a:t>EntityResolver</a:t>
-            </a:r>
-            <a:r>
-              <a:rPr lang="en-US" altLang="zh-TW" dirty="0"/>
-              <a:t> interfaces (with null methods), so you can override only the ones you are interested in.</a:t>
-            </a:r>
+              <a:rPr lang="en-US" altLang="zh-TW" b="1" dirty="0"/>
+              <a:t>Document</a:t>
+            </a:r>
+            <a:r>
+              <a:rPr lang="en-US" altLang="zh-TW" dirty="0"/>
+              <a:t> − Represents the entire XML document. A Document object is often referred to as a DOM tree.</a:t>
+            </a:r>
+          </a:p>
+          <a:p>
             <a:endParaRPr lang="zh-TW" altLang="en-US" dirty="0"/>
           </a:p>
         </p:txBody>
@@ -4520,7 +5736,7 @@
     </p:spTree>
     <p:extLst>
       <p:ext uri="{BB962C8B-B14F-4D97-AF65-F5344CB8AC3E}">
-        <p14:creationId xmlns:p14="http://schemas.microsoft.com/office/powerpoint/2010/main" val="718811173"/>
+        <p14:creationId xmlns:p14="http://schemas.microsoft.com/office/powerpoint/2010/main" val="2848412555"/>
       </p:ext>
     </p:extLst>
   </p:cSld>
@@ -4552,7 +5768,7 @@
           <p:cNvPr id="2" name="標題 1">
             <a:extLst>
               <a:ext uri="{FF2B5EF4-FFF2-40B4-BE49-F238E27FC236}">
-                <a16:creationId xmlns:a16="http://schemas.microsoft.com/office/drawing/2014/main" id="{49D8871F-ECA8-4494-8999-6691163AC21F}"/>
+                <a16:creationId xmlns:a16="http://schemas.microsoft.com/office/drawing/2014/main" id="{4D1B5358-9B0A-4E15-9FE2-CE72D544CFF1}"/>
               </a:ext>
             </a:extLst>
           </p:cNvPr>
@@ -4568,7 +5784,11 @@
           <a:bodyPr/>
           <a:lstStyle/>
           <a:p>
-            <a:endParaRPr lang="zh-TW" altLang="en-US"/>
+            <a:r>
+              <a:rPr lang="en-US" altLang="zh-TW" dirty="0"/>
+              <a:t>Common DOM methods</a:t>
+            </a:r>
+            <a:endParaRPr lang="zh-TW" altLang="en-US" dirty="0"/>
           </a:p>
         </p:txBody>
       </p:sp>
@@ -4577,7 +5797,7 @@
           <p:cNvPr id="3" name="內容版面配置區 2">
             <a:extLst>
               <a:ext uri="{FF2B5EF4-FFF2-40B4-BE49-F238E27FC236}">
-                <a16:creationId xmlns:a16="http://schemas.microsoft.com/office/drawing/2014/main" id="{076BD7F4-6CE4-4EDB-86D1-025A63A84220}"/>
+                <a16:creationId xmlns:a16="http://schemas.microsoft.com/office/drawing/2014/main" id="{0E1DA278-994E-46B6-A541-A5B1ACD3AA04}"/>
               </a:ext>
             </a:extLst>
           </p:cNvPr>
@@ -4591,163 +5811,102 @@
         <p:spPr/>
         <p:txBody>
           <a:bodyPr>
-            <a:normAutofit fontScale="62500" lnSpcReduction="20000"/>
+            <a:normAutofit lnSpcReduction="10000"/>
           </a:bodyPr>
           <a:lstStyle/>
           <a:p>
             <a:r>
-              <a:rPr lang="en-US" altLang="zh-TW" dirty="0" err="1"/>
-              <a:t>ContentHandler</a:t>
-            </a:r>
-            <a:endParaRPr lang="en-US" altLang="zh-TW" dirty="0"/>
-          </a:p>
-          <a:p>
-            <a:pPr lvl="1"/>
-            <a:r>
-              <a:rPr lang="en-US" altLang="zh-TW" dirty="0"/>
-              <a:t>Methods such as </a:t>
-            </a:r>
-            <a:r>
-              <a:rPr lang="en-US" altLang="zh-TW" dirty="0" err="1"/>
-              <a:t>startDocument</a:t>
-            </a:r>
-            <a:r>
-              <a:rPr lang="en-US" altLang="zh-TW" dirty="0"/>
-              <a:t>, </a:t>
-            </a:r>
-            <a:r>
-              <a:rPr lang="en-US" altLang="zh-TW" dirty="0" err="1"/>
-              <a:t>endDocument</a:t>
-            </a:r>
-            <a:r>
-              <a:rPr lang="en-US" altLang="zh-TW" dirty="0"/>
-              <a:t>, </a:t>
-            </a:r>
-            <a:r>
-              <a:rPr lang="en-US" altLang="zh-TW" dirty="0" err="1"/>
-              <a:t>startElement</a:t>
-            </a:r>
-            <a:r>
-              <a:rPr lang="en-US" altLang="zh-TW" dirty="0"/>
-              <a:t>, and </a:t>
-            </a:r>
-            <a:r>
-              <a:rPr lang="en-US" altLang="zh-TW" dirty="0" err="1"/>
-              <a:t>endElement</a:t>
-            </a:r>
-            <a:r>
-              <a:rPr lang="en-US" altLang="zh-TW" dirty="0"/>
-              <a:t> are invoked when an XML tag is recognized. </a:t>
-            </a:r>
-          </a:p>
-          <a:p>
-            <a:pPr lvl="1"/>
-            <a:r>
-              <a:rPr lang="en-US" altLang="zh-TW" dirty="0"/>
-              <a:t>This interface also defines the methods characters() and </a:t>
-            </a:r>
-            <a:r>
-              <a:rPr lang="en-US" altLang="zh-TW" dirty="0" err="1"/>
-              <a:t>processingInstruction</a:t>
-            </a:r>
-            <a:r>
-              <a:rPr lang="en-US" altLang="zh-TW" dirty="0"/>
-              <a:t>(), which are invoked when the parser encounters the text in an XML element or an inline processing instruction, respectively.</a:t>
-            </a:r>
-          </a:p>
-          <a:p>
-            <a:r>
-              <a:rPr lang="en-US" altLang="zh-TW" dirty="0" err="1"/>
-              <a:t>ErrorHandler</a:t>
-            </a:r>
-            <a:endParaRPr lang="en-US" altLang="zh-TW" dirty="0"/>
-          </a:p>
-          <a:p>
-            <a:pPr lvl="1"/>
-            <a:r>
-              <a:rPr lang="en-US" altLang="zh-TW" dirty="0"/>
-              <a:t>Methods error(), </a:t>
-            </a:r>
-            <a:r>
-              <a:rPr lang="en-US" altLang="zh-TW" dirty="0" err="1"/>
-              <a:t>fatalError</a:t>
-            </a:r>
-            <a:r>
-              <a:rPr lang="en-US" altLang="zh-TW" dirty="0"/>
-              <a:t>(), and warning() are invoked in response to various parsing errors. </a:t>
-            </a:r>
-          </a:p>
-          <a:p>
-            <a:pPr lvl="1"/>
-            <a:r>
-              <a:rPr lang="en-US" altLang="zh-TW" dirty="0"/>
-              <a:t>The default error handler throws an exception for fatal errors and ignores other errors (including validation errors). </a:t>
-            </a:r>
-          </a:p>
-          <a:p>
-            <a:pPr lvl="1"/>
-            <a:r>
-              <a:rPr lang="en-US" altLang="zh-TW" dirty="0"/>
-              <a:t>Sometimes, the application may be able to recover from a validation error. Other times, it may need to generate an exception. To ensure the correct handling, you will need to supply your own error handler to the parser.</a:t>
-            </a:r>
-          </a:p>
-          <a:p>
-            <a:r>
-              <a:rPr lang="en-US" altLang="zh-TW" dirty="0" err="1"/>
-              <a:t>DTDHandler</a:t>
-            </a:r>
-            <a:endParaRPr lang="en-US" altLang="zh-TW" dirty="0"/>
-          </a:p>
-          <a:p>
-            <a:pPr lvl="1"/>
-            <a:r>
-              <a:rPr lang="en-US" altLang="zh-TW" dirty="0"/>
-              <a:t>Defines methods you will generally never be called upon to use. </a:t>
-            </a:r>
-          </a:p>
-          <a:p>
-            <a:pPr lvl="1"/>
-            <a:r>
-              <a:rPr lang="en-US" altLang="zh-TW" dirty="0"/>
-              <a:t>Used when processing a DTD to recognize and act on declarations for an unparsed entity.</a:t>
-            </a:r>
-          </a:p>
-          <a:p>
-            <a:r>
-              <a:rPr lang="en-US" altLang="zh-TW" dirty="0" err="1"/>
-              <a:t>EntityResolver</a:t>
-            </a:r>
-            <a:endParaRPr lang="en-US" altLang="zh-TW" dirty="0"/>
-          </a:p>
-          <a:p>
-            <a:pPr lvl="1"/>
-            <a:r>
-              <a:rPr lang="en-US" altLang="zh-TW" dirty="0"/>
-              <a:t>The </a:t>
-            </a:r>
-            <a:r>
-              <a:rPr lang="en-US" altLang="zh-TW" dirty="0" err="1"/>
-              <a:t>resolveEntity</a:t>
-            </a:r>
-            <a:r>
-              <a:rPr lang="en-US" altLang="zh-TW" dirty="0"/>
-              <a:t> method is invoked when the parser must identify data identified by a URI. </a:t>
-            </a:r>
-          </a:p>
-          <a:p>
-            <a:pPr lvl="1"/>
-            <a:r>
-              <a:rPr lang="en-US" altLang="zh-TW" dirty="0"/>
-              <a:t>In most cases, a URI is simply a URL, which specifies the location of a document, but in some cases the document may be identified by a URN - a public identifier, or name, that is unique in the web space. The public identifier may be specified in addition to the URL. The </a:t>
-            </a:r>
-            <a:r>
-              <a:rPr lang="en-US" altLang="zh-TW" dirty="0" err="1"/>
-              <a:t>EntityResolver</a:t>
-            </a:r>
-            <a:r>
-              <a:rPr lang="en-US" altLang="zh-TW" dirty="0"/>
-              <a:t> can then use the public identifier instead of the URL to find the document-for example, to access a local copy of the document if one exists.</a:t>
-            </a:r>
+              <a:rPr lang="en-US" altLang="zh-TW" b="1" dirty="0" err="1"/>
+              <a:t>Document.getDocumentElement</a:t>
+            </a:r>
+            <a:r>
+              <a:rPr lang="en-US" altLang="zh-TW" b="1" dirty="0"/>
+              <a:t>()</a:t>
+            </a:r>
+            <a:r>
+              <a:rPr lang="en-US" altLang="zh-TW" dirty="0"/>
+              <a:t> − Returns the root element of the document.</a:t>
+            </a:r>
+          </a:p>
+          <a:p>
+            <a:r>
+              <a:rPr lang="en-US" altLang="zh-TW" b="1" dirty="0" err="1"/>
+              <a:t>Node.getFirstChild</a:t>
+            </a:r>
+            <a:r>
+              <a:rPr lang="en-US" altLang="zh-TW" b="1" dirty="0"/>
+              <a:t>()</a:t>
+            </a:r>
+            <a:r>
+              <a:rPr lang="en-US" altLang="zh-TW" dirty="0"/>
+              <a:t> − Returns the first child of a given Node.</a:t>
+            </a:r>
+          </a:p>
+          <a:p>
+            <a:r>
+              <a:rPr lang="en-US" altLang="zh-TW" b="1" dirty="0" err="1"/>
+              <a:t>Node.getLastChild</a:t>
+            </a:r>
+            <a:r>
+              <a:rPr lang="en-US" altLang="zh-TW" b="1" dirty="0"/>
+              <a:t>()</a:t>
+            </a:r>
+            <a:r>
+              <a:rPr lang="en-US" altLang="zh-TW" dirty="0"/>
+              <a:t> − Returns the last child of a given Node.</a:t>
+            </a:r>
+          </a:p>
+          <a:p>
+            <a:r>
+              <a:rPr lang="en-US" altLang="zh-TW" b="1" dirty="0" err="1"/>
+              <a:t>Node.getNextSibling</a:t>
+            </a:r>
+            <a:r>
+              <a:rPr lang="en-US" altLang="zh-TW" b="1" dirty="0"/>
+              <a:t>()</a:t>
+            </a:r>
+            <a:r>
+              <a:rPr lang="en-US" altLang="zh-TW" dirty="0"/>
+              <a:t> − These methods return the next sibling of a given Node.</a:t>
+            </a:r>
+          </a:p>
+          <a:p>
+            <a:r>
+              <a:rPr lang="en-US" altLang="zh-TW" b="1" dirty="0" err="1"/>
+              <a:t>Node.getPreviousSibling</a:t>
+            </a:r>
+            <a:r>
+              <a:rPr lang="en-US" altLang="zh-TW" b="1" dirty="0"/>
+              <a:t>()</a:t>
+            </a:r>
+            <a:r>
+              <a:rPr lang="en-US" altLang="zh-TW" dirty="0"/>
+              <a:t> − These methods return the previous sibling of a given Node.</a:t>
+            </a:r>
+          </a:p>
+          <a:p>
+            <a:r>
+              <a:rPr lang="en-US" altLang="zh-TW" b="1" dirty="0" err="1"/>
+              <a:t>Node.getAttribute</a:t>
+            </a:r>
+            <a:r>
+              <a:rPr lang="en-US" altLang="zh-TW" b="1" dirty="0"/>
+              <a:t>(</a:t>
+            </a:r>
+            <a:r>
+              <a:rPr lang="en-US" altLang="zh-TW" b="1" dirty="0" err="1"/>
+              <a:t>attrName</a:t>
+            </a:r>
+            <a:r>
+              <a:rPr lang="en-US" altLang="zh-TW" b="1" dirty="0"/>
+              <a:t>)</a:t>
+            </a:r>
+            <a:r>
+              <a:rPr lang="en-US" altLang="zh-TW" dirty="0"/>
+              <a:t> − For a given Node, it returns the attribute with the requested name.</a:t>
+            </a:r>
+          </a:p>
+          <a:p>
             <a:endParaRPr lang="zh-TW" altLang="en-US" dirty="0"/>
           </a:p>
         </p:txBody>
@@ -4755,7 +5914,7 @@
     </p:spTree>
     <p:extLst>
       <p:ext uri="{BB962C8B-B14F-4D97-AF65-F5344CB8AC3E}">
-        <p14:creationId xmlns:p14="http://schemas.microsoft.com/office/powerpoint/2010/main" val="499335111"/>
+        <p14:creationId xmlns:p14="http://schemas.microsoft.com/office/powerpoint/2010/main" val="146179679"/>
       </p:ext>
     </p:extLst>
   </p:cSld>
@@ -4787,7 +5946,7 @@
           <p:cNvPr id="2" name="標題 1">
             <a:extLst>
               <a:ext uri="{FF2B5EF4-FFF2-40B4-BE49-F238E27FC236}">
-                <a16:creationId xmlns:a16="http://schemas.microsoft.com/office/drawing/2014/main" id="{9A7B1E69-0DDE-4232-BF17-DA9DD21C65A0}"/>
+                <a16:creationId xmlns:a16="http://schemas.microsoft.com/office/drawing/2014/main" id="{D5D617DC-AFB1-4106-8684-41FAF07E0DBF}"/>
               </a:ext>
             </a:extLst>
           </p:cNvPr>
@@ -4812,7 +5971,7 @@
           <p:cNvPr id="3" name="內容版面配置區 2">
             <a:extLst>
               <a:ext uri="{FF2B5EF4-FFF2-40B4-BE49-F238E27FC236}">
-                <a16:creationId xmlns:a16="http://schemas.microsoft.com/office/drawing/2014/main" id="{8FC47C4C-660F-4162-BEEE-D3D3E29A2616}"/>
+                <a16:creationId xmlns:a16="http://schemas.microsoft.com/office/drawing/2014/main" id="{D8FE3203-63C2-4521-AC50-12506CE02466}"/>
               </a:ext>
             </a:extLst>
           </p:cNvPr>
@@ -4835,7 +5994,7 @@
     </p:spTree>
     <p:extLst>
       <p:ext uri="{BB962C8B-B14F-4D97-AF65-F5344CB8AC3E}">
-        <p14:creationId xmlns:p14="http://schemas.microsoft.com/office/powerpoint/2010/main" val="2775842465"/>
+        <p14:creationId xmlns:p14="http://schemas.microsoft.com/office/powerpoint/2010/main" val="506839474"/>
       </p:ext>
     </p:extLst>
   </p:cSld>
